--- a/Apresentacao_1_SPAs.pptx
+++ b/Apresentacao_1_SPAs.pptx
@@ -4,6 +4,12 @@
   <p:sldMasterIdLst>
     <p:sldMasterId id="2147483660" r:id="rId1"/>
   </p:sldMasterIdLst>
+  <p:notesMasterIdLst>
+    <p:notesMasterId r:id="rId11"/>
+  </p:notesMasterIdLst>
+  <p:handoutMasterIdLst>
+    <p:handoutMasterId r:id="rId12"/>
+  </p:handoutMasterIdLst>
   <p:sldIdLst>
     <p:sldId id="256" r:id="rId2"/>
     <p:sldId id="257" r:id="rId3"/>
@@ -131,6 +137,552 @@
 </p:presentation>
 </file>
 
+<file path=ppt/handoutMasters/handoutMaster1.xml><?xml version="1.0" encoding="utf-8"?>
+<p:handoutMaster xmlns:a="http://schemas.openxmlformats.org/drawingml/2006/main" xmlns:r="http://schemas.openxmlformats.org/officeDocument/2006/relationships" xmlns:p="http://schemas.openxmlformats.org/presentationml/2006/main">
+  <p:cSld>
+    <p:bg>
+      <p:bgRef idx="1001">
+        <a:schemeClr val="bg1"/>
+      </p:bgRef>
+    </p:bg>
+    <p:spTree>
+      <p:nvGrpSpPr>
+        <p:cNvPr id="1" name=""/>
+        <p:cNvGrpSpPr/>
+        <p:nvPr/>
+      </p:nvGrpSpPr>
+      <p:grpSpPr>
+        <a:xfrm>
+          <a:off x="0" y="0"/>
+          <a:ext cx="0" cy="0"/>
+          <a:chOff x="0" y="0"/>
+          <a:chExt cx="0" cy="0"/>
+        </a:xfrm>
+      </p:grpSpPr>
+      <p:sp>
+        <p:nvSpPr>
+          <p:cNvPr id="2" name="Espaço Reservado para Cabeçalho 1">
+            <a:extLst>
+              <a:ext uri="{FF2B5EF4-FFF2-40B4-BE49-F238E27FC236}">
+                <a16:creationId xmlns:a16="http://schemas.microsoft.com/office/drawing/2014/main" id="{226638E5-5F8F-416C-B4E8-A3B76282F7A8}"/>
+              </a:ext>
+            </a:extLst>
+          </p:cNvPr>
+          <p:cNvSpPr>
+            <a:spLocks noGrp="1"/>
+          </p:cNvSpPr>
+          <p:nvPr>
+            <p:ph type="hdr" sz="quarter"/>
+          </p:nvPr>
+        </p:nvSpPr>
+        <p:spPr>
+          <a:xfrm>
+            <a:off x="0" y="0"/>
+            <a:ext cx="2971800" cy="458788"/>
+          </a:xfrm>
+          <a:prstGeom prst="rect">
+            <a:avLst/>
+          </a:prstGeom>
+        </p:spPr>
+        <p:txBody>
+          <a:bodyPr vert="horz" lIns="91440" tIns="45720" rIns="91440" bIns="45720" rtlCol="0"/>
+          <a:lstStyle>
+            <a:lvl1pPr algn="l">
+              <a:defRPr sz="1200"/>
+            </a:lvl1pPr>
+          </a:lstStyle>
+          <a:p>
+            <a:r>
+              <a:rPr lang="pt-BR"/>
+              <a:t>Andrei Inoue Hirata</a:t>
+            </a:r>
+          </a:p>
+        </p:txBody>
+      </p:sp>
+      <p:sp>
+        <p:nvSpPr>
+          <p:cNvPr id="3" name="Espaço Reservado para Data 2">
+            <a:extLst>
+              <a:ext uri="{FF2B5EF4-FFF2-40B4-BE49-F238E27FC236}">
+                <a16:creationId xmlns:a16="http://schemas.microsoft.com/office/drawing/2014/main" id="{BF056EED-6433-4626-BEBE-3CC9ED886151}"/>
+              </a:ext>
+            </a:extLst>
+          </p:cNvPr>
+          <p:cNvSpPr>
+            <a:spLocks noGrp="1"/>
+          </p:cNvSpPr>
+          <p:nvPr>
+            <p:ph type="dt" sz="quarter" idx="1"/>
+          </p:nvPr>
+        </p:nvSpPr>
+        <p:spPr>
+          <a:xfrm>
+            <a:off x="3884613" y="0"/>
+            <a:ext cx="2971800" cy="458788"/>
+          </a:xfrm>
+          <a:prstGeom prst="rect">
+            <a:avLst/>
+          </a:prstGeom>
+        </p:spPr>
+        <p:txBody>
+          <a:bodyPr vert="horz" lIns="91440" tIns="45720" rIns="91440" bIns="45720" rtlCol="0"/>
+          <a:lstStyle>
+            <a:lvl1pPr algn="r">
+              <a:defRPr sz="1200"/>
+            </a:lvl1pPr>
+          </a:lstStyle>
+          <a:p>
+            <a:fld id="{CC260080-F50C-4F09-8D71-1415E0E019EB}" type="datetimeFigureOut">
+              <a:rPr lang="pt-BR" smtClean="0"/>
+              <a:t>01/04/2025</a:t>
+            </a:fld>
+            <a:endParaRPr lang="pt-BR"/>
+          </a:p>
+        </p:txBody>
+      </p:sp>
+      <p:sp>
+        <p:nvSpPr>
+          <p:cNvPr id="4" name="Espaço Reservado para Rodapé 3">
+            <a:extLst>
+              <a:ext uri="{FF2B5EF4-FFF2-40B4-BE49-F238E27FC236}">
+                <a16:creationId xmlns:a16="http://schemas.microsoft.com/office/drawing/2014/main" id="{F8BD9EAA-6B15-4038-B4BF-591DD1DD41DB}"/>
+              </a:ext>
+            </a:extLst>
+          </p:cNvPr>
+          <p:cNvSpPr>
+            <a:spLocks noGrp="1"/>
+          </p:cNvSpPr>
+          <p:nvPr>
+            <p:ph type="ftr" sz="quarter" idx="2"/>
+          </p:nvPr>
+        </p:nvSpPr>
+        <p:spPr>
+          <a:xfrm>
+            <a:off x="0" y="8685213"/>
+            <a:ext cx="2971800" cy="458787"/>
+          </a:xfrm>
+          <a:prstGeom prst="rect">
+            <a:avLst/>
+          </a:prstGeom>
+        </p:spPr>
+        <p:txBody>
+          <a:bodyPr vert="horz" lIns="91440" tIns="45720" rIns="91440" bIns="45720" rtlCol="0" anchor="b"/>
+          <a:lstStyle>
+            <a:lvl1pPr algn="l">
+              <a:defRPr sz="1200"/>
+            </a:lvl1pPr>
+          </a:lstStyle>
+          <a:p>
+            <a:endParaRPr lang="pt-BR"/>
+          </a:p>
+        </p:txBody>
+      </p:sp>
+      <p:sp>
+        <p:nvSpPr>
+          <p:cNvPr id="5" name="Espaço Reservado para Número de Slide 4">
+            <a:extLst>
+              <a:ext uri="{FF2B5EF4-FFF2-40B4-BE49-F238E27FC236}">
+                <a16:creationId xmlns:a16="http://schemas.microsoft.com/office/drawing/2014/main" id="{16066509-B9F5-47E2-81CE-2299619A09C5}"/>
+              </a:ext>
+            </a:extLst>
+          </p:cNvPr>
+          <p:cNvSpPr>
+            <a:spLocks noGrp="1"/>
+          </p:cNvSpPr>
+          <p:nvPr>
+            <p:ph type="sldNum" sz="quarter" idx="3"/>
+          </p:nvPr>
+        </p:nvSpPr>
+        <p:spPr>
+          <a:xfrm>
+            <a:off x="3884613" y="8685213"/>
+            <a:ext cx="2971800" cy="458787"/>
+          </a:xfrm>
+          <a:prstGeom prst="rect">
+            <a:avLst/>
+          </a:prstGeom>
+        </p:spPr>
+        <p:txBody>
+          <a:bodyPr vert="horz" lIns="91440" tIns="45720" rIns="91440" bIns="45720" rtlCol="0" anchor="b"/>
+          <a:lstStyle>
+            <a:lvl1pPr algn="r">
+              <a:defRPr sz="1200"/>
+            </a:lvl1pPr>
+          </a:lstStyle>
+          <a:p>
+            <a:fld id="{C81A993E-9210-4106-947D-DA0566BFA8B0}" type="slidenum">
+              <a:rPr lang="pt-BR" smtClean="0"/>
+              <a:t>‹nº›</a:t>
+            </a:fld>
+            <a:endParaRPr lang="pt-BR"/>
+          </a:p>
+        </p:txBody>
+      </p:sp>
+    </p:spTree>
+    <p:extLst>
+      <p:ext uri="{BB962C8B-B14F-4D97-AF65-F5344CB8AC3E}">
+        <p14:creationId xmlns:p14="http://schemas.microsoft.com/office/powerpoint/2010/main" val="3055738908"/>
+      </p:ext>
+    </p:extLst>
+  </p:cSld>
+  <p:clrMap bg1="lt1" tx1="dk1" bg2="lt2" tx2="dk2" accent1="accent1" accent2="accent2" accent3="accent3" accent4="accent4" accent5="accent5" accent6="accent6" hlink="hlink" folHlink="folHlink"/>
+  <p:hf sldNum="0" hdr="0" ftr="0" dt="0"/>
+</p:handoutMaster>
+</file>
+
+<file path=ppt/notesMasters/notesMaster1.xml><?xml version="1.0" encoding="utf-8"?>
+<p:notesMaster xmlns:a="http://schemas.openxmlformats.org/drawingml/2006/main" xmlns:r="http://schemas.openxmlformats.org/officeDocument/2006/relationships" xmlns:p="http://schemas.openxmlformats.org/presentationml/2006/main">
+  <p:cSld>
+    <p:bg>
+      <p:bgRef idx="1001">
+        <a:schemeClr val="bg1"/>
+      </p:bgRef>
+    </p:bg>
+    <p:spTree>
+      <p:nvGrpSpPr>
+        <p:cNvPr id="1" name=""/>
+        <p:cNvGrpSpPr/>
+        <p:nvPr/>
+      </p:nvGrpSpPr>
+      <p:grpSpPr>
+        <a:xfrm>
+          <a:off x="0" y="0"/>
+          <a:ext cx="0" cy="0"/>
+          <a:chOff x="0" y="0"/>
+          <a:chExt cx="0" cy="0"/>
+        </a:xfrm>
+      </p:grpSpPr>
+      <p:sp>
+        <p:nvSpPr>
+          <p:cNvPr id="2" name="Espaço Reservado para Cabeçalho 1"/>
+          <p:cNvSpPr>
+            <a:spLocks noGrp="1"/>
+          </p:cNvSpPr>
+          <p:nvPr>
+            <p:ph type="hdr" sz="quarter"/>
+          </p:nvPr>
+        </p:nvSpPr>
+        <p:spPr>
+          <a:xfrm>
+            <a:off x="0" y="0"/>
+            <a:ext cx="2971800" cy="458788"/>
+          </a:xfrm>
+          <a:prstGeom prst="rect">
+            <a:avLst/>
+          </a:prstGeom>
+        </p:spPr>
+        <p:txBody>
+          <a:bodyPr vert="horz" lIns="91440" tIns="45720" rIns="91440" bIns="45720" rtlCol="0"/>
+          <a:lstStyle>
+            <a:lvl1pPr algn="l">
+              <a:defRPr sz="1200"/>
+            </a:lvl1pPr>
+          </a:lstStyle>
+          <a:p>
+            <a:r>
+              <a:rPr lang="pt-BR"/>
+              <a:t>Andrei Inoue Hirata</a:t>
+            </a:r>
+          </a:p>
+        </p:txBody>
+      </p:sp>
+      <p:sp>
+        <p:nvSpPr>
+          <p:cNvPr id="3" name="Espaço Reservado para Data 2"/>
+          <p:cNvSpPr>
+            <a:spLocks noGrp="1"/>
+          </p:cNvSpPr>
+          <p:nvPr>
+            <p:ph type="dt" idx="1"/>
+          </p:nvPr>
+        </p:nvSpPr>
+        <p:spPr>
+          <a:xfrm>
+            <a:off x="3884613" y="0"/>
+            <a:ext cx="2971800" cy="458788"/>
+          </a:xfrm>
+          <a:prstGeom prst="rect">
+            <a:avLst/>
+          </a:prstGeom>
+        </p:spPr>
+        <p:txBody>
+          <a:bodyPr vert="horz" lIns="91440" tIns="45720" rIns="91440" bIns="45720" rtlCol="0"/>
+          <a:lstStyle>
+            <a:lvl1pPr algn="r">
+              <a:defRPr sz="1200"/>
+            </a:lvl1pPr>
+          </a:lstStyle>
+          <a:p>
+            <a:fld id="{EC0FDE6A-BBD2-4B84-804E-B85EBE7E4881}" type="datetimeFigureOut">
+              <a:rPr lang="pt-BR" smtClean="0"/>
+              <a:t>01/04/2025</a:t>
+            </a:fld>
+            <a:endParaRPr lang="pt-BR"/>
+          </a:p>
+        </p:txBody>
+      </p:sp>
+      <p:sp>
+        <p:nvSpPr>
+          <p:cNvPr id="4" name="Espaço Reservado para Imagem de Slide 3"/>
+          <p:cNvSpPr>
+            <a:spLocks noGrp="1" noRot="1" noChangeAspect="1"/>
+          </p:cNvSpPr>
+          <p:nvPr>
+            <p:ph type="sldImg" idx="2"/>
+          </p:nvPr>
+        </p:nvSpPr>
+        <p:spPr>
+          <a:xfrm>
+            <a:off x="1371600" y="1143000"/>
+            <a:ext cx="4114800" cy="3086100"/>
+          </a:xfrm>
+          <a:prstGeom prst="rect">
+            <a:avLst/>
+          </a:prstGeom>
+          <a:noFill/>
+          <a:ln w="12700">
+            <a:solidFill>
+              <a:prstClr val="black"/>
+            </a:solidFill>
+          </a:ln>
+        </p:spPr>
+        <p:txBody>
+          <a:bodyPr vert="horz" lIns="91440" tIns="45720" rIns="91440" bIns="45720" rtlCol="0" anchor="ctr"/>
+          <a:lstStyle/>
+          <a:p>
+            <a:endParaRPr lang="pt-BR"/>
+          </a:p>
+        </p:txBody>
+      </p:sp>
+      <p:sp>
+        <p:nvSpPr>
+          <p:cNvPr id="5" name="Espaço Reservado para Anotações 4"/>
+          <p:cNvSpPr>
+            <a:spLocks noGrp="1"/>
+          </p:cNvSpPr>
+          <p:nvPr>
+            <p:ph type="body" sz="quarter" idx="3"/>
+          </p:nvPr>
+        </p:nvSpPr>
+        <p:spPr>
+          <a:xfrm>
+            <a:off x="685800" y="4400550"/>
+            <a:ext cx="5486400" cy="3600450"/>
+          </a:xfrm>
+          <a:prstGeom prst="rect">
+            <a:avLst/>
+          </a:prstGeom>
+        </p:spPr>
+        <p:txBody>
+          <a:bodyPr vert="horz" lIns="91440" tIns="45720" rIns="91440" bIns="45720" rtlCol="0"/>
+          <a:lstStyle/>
+          <a:p>
+            <a:pPr lvl="0"/>
+            <a:r>
+              <a:rPr lang="pt-BR"/>
+              <a:t>Clique para editar os estilos de texto Mestres</a:t>
+            </a:r>
+          </a:p>
+          <a:p>
+            <a:pPr lvl="1"/>
+            <a:r>
+              <a:rPr lang="pt-BR"/>
+              <a:t>Segundo nível</a:t>
+            </a:r>
+          </a:p>
+          <a:p>
+            <a:pPr lvl="2"/>
+            <a:r>
+              <a:rPr lang="pt-BR"/>
+              <a:t>Terceiro nível</a:t>
+            </a:r>
+          </a:p>
+          <a:p>
+            <a:pPr lvl="3"/>
+            <a:r>
+              <a:rPr lang="pt-BR"/>
+              <a:t>Quarto nível</a:t>
+            </a:r>
+          </a:p>
+          <a:p>
+            <a:pPr lvl="4"/>
+            <a:r>
+              <a:rPr lang="pt-BR"/>
+              <a:t>Quinto nível</a:t>
+            </a:r>
+          </a:p>
+        </p:txBody>
+      </p:sp>
+      <p:sp>
+        <p:nvSpPr>
+          <p:cNvPr id="6" name="Espaço Reservado para Rodapé 5"/>
+          <p:cNvSpPr>
+            <a:spLocks noGrp="1"/>
+          </p:cNvSpPr>
+          <p:nvPr>
+            <p:ph type="ftr" sz="quarter" idx="4"/>
+          </p:nvPr>
+        </p:nvSpPr>
+        <p:spPr>
+          <a:xfrm>
+            <a:off x="0" y="8685213"/>
+            <a:ext cx="2971800" cy="458787"/>
+          </a:xfrm>
+          <a:prstGeom prst="rect">
+            <a:avLst/>
+          </a:prstGeom>
+        </p:spPr>
+        <p:txBody>
+          <a:bodyPr vert="horz" lIns="91440" tIns="45720" rIns="91440" bIns="45720" rtlCol="0" anchor="b"/>
+          <a:lstStyle>
+            <a:lvl1pPr algn="l">
+              <a:defRPr sz="1200"/>
+            </a:lvl1pPr>
+          </a:lstStyle>
+          <a:p>
+            <a:endParaRPr lang="pt-BR"/>
+          </a:p>
+        </p:txBody>
+      </p:sp>
+      <p:sp>
+        <p:nvSpPr>
+          <p:cNvPr id="7" name="Espaço Reservado para Número de Slide 6"/>
+          <p:cNvSpPr>
+            <a:spLocks noGrp="1"/>
+          </p:cNvSpPr>
+          <p:nvPr>
+            <p:ph type="sldNum" sz="quarter" idx="5"/>
+          </p:nvPr>
+        </p:nvSpPr>
+        <p:spPr>
+          <a:xfrm>
+            <a:off x="3884613" y="8685213"/>
+            <a:ext cx="2971800" cy="458787"/>
+          </a:xfrm>
+          <a:prstGeom prst="rect">
+            <a:avLst/>
+          </a:prstGeom>
+        </p:spPr>
+        <p:txBody>
+          <a:bodyPr vert="horz" lIns="91440" tIns="45720" rIns="91440" bIns="45720" rtlCol="0" anchor="b"/>
+          <a:lstStyle>
+            <a:lvl1pPr algn="r">
+              <a:defRPr sz="1200"/>
+            </a:lvl1pPr>
+          </a:lstStyle>
+          <a:p>
+            <a:fld id="{044FBEC8-021F-4056-AC86-345EBF33B0E8}" type="slidenum">
+              <a:rPr lang="pt-BR" smtClean="0"/>
+              <a:t>‹nº›</a:t>
+            </a:fld>
+            <a:endParaRPr lang="pt-BR"/>
+          </a:p>
+        </p:txBody>
+      </p:sp>
+    </p:spTree>
+    <p:extLst>
+      <p:ext uri="{BB962C8B-B14F-4D97-AF65-F5344CB8AC3E}">
+        <p14:creationId xmlns:p14="http://schemas.microsoft.com/office/powerpoint/2010/main" val="3334038935"/>
+      </p:ext>
+    </p:extLst>
+  </p:cSld>
+  <p:clrMap bg1="lt1" tx1="dk1" bg2="lt2" tx2="dk2" accent1="accent1" accent2="accent2" accent3="accent3" accent4="accent4" accent5="accent5" accent6="accent6" hlink="hlink" folHlink="folHlink"/>
+  <p:hf sldNum="0" hdr="0" ftr="0" dt="0"/>
+  <p:notesStyle>
+    <a:lvl1pPr marL="0" algn="l" defTabSz="914400" rtl="0" eaLnBrk="1" latinLnBrk="0" hangingPunct="1">
+      <a:defRPr sz="1200" kern="1200">
+        <a:solidFill>
+          <a:schemeClr val="tx1"/>
+        </a:solidFill>
+        <a:latin typeface="+mn-lt"/>
+        <a:ea typeface="+mn-ea"/>
+        <a:cs typeface="+mn-cs"/>
+      </a:defRPr>
+    </a:lvl1pPr>
+    <a:lvl2pPr marL="457200" algn="l" defTabSz="914400" rtl="0" eaLnBrk="1" latinLnBrk="0" hangingPunct="1">
+      <a:defRPr sz="1200" kern="1200">
+        <a:solidFill>
+          <a:schemeClr val="tx1"/>
+        </a:solidFill>
+        <a:latin typeface="+mn-lt"/>
+        <a:ea typeface="+mn-ea"/>
+        <a:cs typeface="+mn-cs"/>
+      </a:defRPr>
+    </a:lvl2pPr>
+    <a:lvl3pPr marL="914400" algn="l" defTabSz="914400" rtl="0" eaLnBrk="1" latinLnBrk="0" hangingPunct="1">
+      <a:defRPr sz="1200" kern="1200">
+        <a:solidFill>
+          <a:schemeClr val="tx1"/>
+        </a:solidFill>
+        <a:latin typeface="+mn-lt"/>
+        <a:ea typeface="+mn-ea"/>
+        <a:cs typeface="+mn-cs"/>
+      </a:defRPr>
+    </a:lvl3pPr>
+    <a:lvl4pPr marL="1371600" algn="l" defTabSz="914400" rtl="0" eaLnBrk="1" latinLnBrk="0" hangingPunct="1">
+      <a:defRPr sz="1200" kern="1200">
+        <a:solidFill>
+          <a:schemeClr val="tx1"/>
+        </a:solidFill>
+        <a:latin typeface="+mn-lt"/>
+        <a:ea typeface="+mn-ea"/>
+        <a:cs typeface="+mn-cs"/>
+      </a:defRPr>
+    </a:lvl4pPr>
+    <a:lvl5pPr marL="1828800" algn="l" defTabSz="914400" rtl="0" eaLnBrk="1" latinLnBrk="0" hangingPunct="1">
+      <a:defRPr sz="1200" kern="1200">
+        <a:solidFill>
+          <a:schemeClr val="tx1"/>
+        </a:solidFill>
+        <a:latin typeface="+mn-lt"/>
+        <a:ea typeface="+mn-ea"/>
+        <a:cs typeface="+mn-cs"/>
+      </a:defRPr>
+    </a:lvl5pPr>
+    <a:lvl6pPr marL="2286000" algn="l" defTabSz="914400" rtl="0" eaLnBrk="1" latinLnBrk="0" hangingPunct="1">
+      <a:defRPr sz="1200" kern="1200">
+        <a:solidFill>
+          <a:schemeClr val="tx1"/>
+        </a:solidFill>
+        <a:latin typeface="+mn-lt"/>
+        <a:ea typeface="+mn-ea"/>
+        <a:cs typeface="+mn-cs"/>
+      </a:defRPr>
+    </a:lvl6pPr>
+    <a:lvl7pPr marL="2743200" algn="l" defTabSz="914400" rtl="0" eaLnBrk="1" latinLnBrk="0" hangingPunct="1">
+      <a:defRPr sz="1200" kern="1200">
+        <a:solidFill>
+          <a:schemeClr val="tx1"/>
+        </a:solidFill>
+        <a:latin typeface="+mn-lt"/>
+        <a:ea typeface="+mn-ea"/>
+        <a:cs typeface="+mn-cs"/>
+      </a:defRPr>
+    </a:lvl7pPr>
+    <a:lvl8pPr marL="3200400" algn="l" defTabSz="914400" rtl="0" eaLnBrk="1" latinLnBrk="0" hangingPunct="1">
+      <a:defRPr sz="1200" kern="1200">
+        <a:solidFill>
+          <a:schemeClr val="tx1"/>
+        </a:solidFill>
+        <a:latin typeface="+mn-lt"/>
+        <a:ea typeface="+mn-ea"/>
+        <a:cs typeface="+mn-cs"/>
+      </a:defRPr>
+    </a:lvl8pPr>
+    <a:lvl9pPr marL="3657600" algn="l" defTabSz="914400" rtl="0" eaLnBrk="1" latinLnBrk="0" hangingPunct="1">
+      <a:defRPr sz="1200" kern="1200">
+        <a:solidFill>
+          <a:schemeClr val="tx1"/>
+        </a:solidFill>
+        <a:latin typeface="+mn-lt"/>
+        <a:ea typeface="+mn-ea"/>
+        <a:cs typeface="+mn-cs"/>
+      </a:defRPr>
+    </a:lvl9pPr>
+  </p:notesStyle>
+</p:notesMaster>
+</file>
+
 <file path=ppt/slideLayouts/slideLayout1.xml><?xml version="1.0" encoding="utf-8"?>
 <p:sldLayout xmlns:a="http://schemas.openxmlformats.org/drawingml/2006/main" xmlns:r="http://schemas.openxmlformats.org/officeDocument/2006/relationships" xmlns:p="http://schemas.openxmlformats.org/presentationml/2006/main" showMasterSp="0" type="title" preserve="1">
   <p:cSld name="Slide de Título">
@@ -1340,7 +1892,7 @@
             </a:lvl1pPr>
           </a:lstStyle>
           <a:p>
-            <a:fld id="{5BCAD085-E8A6-8845-BD4E-CB4CCA059FC4}" type="datetimeFigureOut">
+            <a:fld id="{DA6E23B2-9AB6-4446-B2E5-38913EFB1E36}" type="datetime1">
               <a:rPr lang="en-US" smtClean="0"/>
               <a:t>4/1/2025</a:t>
             </a:fld>
@@ -1378,7 +1930,10 @@
             </a:lvl1pPr>
           </a:lstStyle>
           <a:p>
-            <a:endParaRPr lang="en-US"/>
+            <a:r>
+              <a:rPr lang="en-US"/>
+              <a:t>Andrei Inoue Hirata</a:t>
+            </a:r>
           </a:p>
         </p:txBody>
       </p:sp>
@@ -1616,7 +2171,7 @@
           <a:bodyPr/>
           <a:lstStyle/>
           <a:p>
-            <a:fld id="{5BCAD085-E8A6-8845-BD4E-CB4CCA059FC4}" type="datetimeFigureOut">
+            <a:fld id="{E93B0AD2-1A9E-4381-BDD2-88ECA1464B43}" type="datetime1">
               <a:rPr lang="en-US" smtClean="0"/>
               <a:t>4/1/2025</a:t>
             </a:fld>
@@ -1639,7 +2194,10 @@
           <a:bodyPr/>
           <a:lstStyle/>
           <a:p>
-            <a:endParaRPr lang="en-US"/>
+            <a:r>
+              <a:rPr lang="en-US"/>
+              <a:t>Andrei Inoue Hirata</a:t>
+            </a:r>
           </a:p>
         </p:txBody>
       </p:sp>
@@ -1796,7 +2354,7 @@
           <a:bodyPr/>
           <a:lstStyle/>
           <a:p>
-            <a:fld id="{5BCAD085-E8A6-8845-BD4E-CB4CCA059FC4}" type="datetimeFigureOut">
+            <a:fld id="{FC565004-945B-4FC0-9012-60D9BEB28AB3}" type="datetime1">
               <a:rPr lang="en-US" smtClean="0"/>
               <a:t>4/1/2025</a:t>
             </a:fld>
@@ -1819,7 +2377,10 @@
           <a:bodyPr/>
           <a:lstStyle/>
           <a:p>
-            <a:endParaRPr lang="en-US"/>
+            <a:r>
+              <a:rPr lang="en-US"/>
+              <a:t>Andrei Inoue Hirata</a:t>
+            </a:r>
           </a:p>
         </p:txBody>
       </p:sp>
@@ -1966,7 +2527,7 @@
           <a:bodyPr/>
           <a:lstStyle/>
           <a:p>
-            <a:fld id="{5BCAD085-E8A6-8845-BD4E-CB4CCA059FC4}" type="datetimeFigureOut">
+            <a:fld id="{1D92CC76-8F47-4CE3-AA5A-9512816635DC}" type="datetime1">
               <a:rPr lang="en-US" smtClean="0"/>
               <a:t>4/1/2025</a:t>
             </a:fld>
@@ -1989,7 +2550,10 @@
           <a:bodyPr/>
           <a:lstStyle/>
           <a:p>
-            <a:endParaRPr lang="en-US"/>
+            <a:r>
+              <a:rPr lang="en-US"/>
+              <a:t>Andrei Inoue Hirata</a:t>
+            </a:r>
           </a:p>
         </p:txBody>
       </p:sp>
@@ -2562,7 +3126,7 @@
             </a:lvl1pPr>
           </a:lstStyle>
           <a:p>
-            <a:fld id="{5BCAD085-E8A6-8845-BD4E-CB4CCA059FC4}" type="datetimeFigureOut">
+            <a:fld id="{09ED0133-854D-4ABA-B86B-FCA7305A910D}" type="datetime1">
               <a:rPr lang="en-US" smtClean="0"/>
               <a:t>4/1/2025</a:t>
             </a:fld>
@@ -2598,7 +3162,10 @@
             </a:lvl1pPr>
           </a:lstStyle>
           <a:p>
-            <a:endParaRPr lang="en-US"/>
+            <a:r>
+              <a:rPr lang="en-US"/>
+              <a:t>Andrei Inoue Hirata</a:t>
+            </a:r>
           </a:p>
         </p:txBody>
       </p:sp>
@@ -4368,7 +4935,7 @@
           <a:bodyPr/>
           <a:lstStyle/>
           <a:p>
-            <a:fld id="{5BCAD085-E8A6-8845-BD4E-CB4CCA059FC4}" type="datetimeFigureOut">
+            <a:fld id="{1696832B-AD02-4648-A870-19A5C897C8A6}" type="datetime1">
               <a:rPr lang="en-US" smtClean="0"/>
               <a:t>4/1/2025</a:t>
             </a:fld>
@@ -4391,7 +4958,10 @@
           <a:bodyPr/>
           <a:lstStyle/>
           <a:p>
-            <a:endParaRPr lang="en-US"/>
+            <a:r>
+              <a:rPr lang="en-US"/>
+              <a:t>Andrei Inoue Hirata</a:t>
+            </a:r>
           </a:p>
         </p:txBody>
       </p:sp>
@@ -4758,7 +5328,7 @@
           <a:bodyPr/>
           <a:lstStyle/>
           <a:p>
-            <a:fld id="{5BCAD085-E8A6-8845-BD4E-CB4CCA059FC4}" type="datetimeFigureOut">
+            <a:fld id="{30732069-BA19-4769-B5B2-AB567649167D}" type="datetime1">
               <a:rPr lang="en-US" smtClean="0"/>
               <a:t>4/1/2025</a:t>
             </a:fld>
@@ -4781,7 +5351,10 @@
           <a:bodyPr/>
           <a:lstStyle/>
           <a:p>
-            <a:endParaRPr lang="en-US"/>
+            <a:r>
+              <a:rPr lang="en-US"/>
+              <a:t>Andrei Inoue Hirata</a:t>
+            </a:r>
           </a:p>
         </p:txBody>
       </p:sp>
@@ -4881,7 +5454,7 @@
           <a:bodyPr/>
           <a:lstStyle/>
           <a:p>
-            <a:fld id="{5BCAD085-E8A6-8845-BD4E-CB4CCA059FC4}" type="datetimeFigureOut">
+            <a:fld id="{8FF6CDD6-9485-4A3E-AB1E-9C94ED766DAB}" type="datetime1">
               <a:rPr lang="en-US" smtClean="0"/>
               <a:t>4/1/2025</a:t>
             </a:fld>
@@ -4904,7 +5477,10 @@
           <a:bodyPr/>
           <a:lstStyle/>
           <a:p>
-            <a:endParaRPr lang="en-US"/>
+            <a:r>
+              <a:rPr lang="en-US"/>
+              <a:t>Andrei Inoue Hirata</a:t>
+            </a:r>
           </a:p>
         </p:txBody>
       </p:sp>
@@ -4976,7 +5552,7 @@
           <a:bodyPr/>
           <a:lstStyle/>
           <a:p>
-            <a:fld id="{5BCAD085-E8A6-8845-BD4E-CB4CCA059FC4}" type="datetimeFigureOut">
+            <a:fld id="{95F0B597-CADB-4804-A76F-780B056F8759}" type="datetime1">
               <a:rPr lang="en-US" smtClean="0"/>
               <a:t>4/1/2025</a:t>
             </a:fld>
@@ -4999,7 +5575,10 @@
           <a:bodyPr/>
           <a:lstStyle/>
           <a:p>
-            <a:endParaRPr lang="en-US"/>
+            <a:r>
+              <a:rPr lang="en-US"/>
+              <a:t>Andrei Inoue Hirata</a:t>
+            </a:r>
           </a:p>
         </p:txBody>
       </p:sp>
@@ -5741,7 +6320,7 @@
           <a:bodyPr/>
           <a:lstStyle/>
           <a:p>
-            <a:fld id="{5BCAD085-E8A6-8845-BD4E-CB4CCA059FC4}" type="datetimeFigureOut">
+            <a:fld id="{5B1A3266-3CA0-4910-9F4A-5B542C49D099}" type="datetime1">
               <a:rPr lang="en-US" smtClean="0"/>
               <a:t>4/1/2025</a:t>
             </a:fld>
@@ -5769,7 +6348,10 @@
           <a:bodyPr/>
           <a:lstStyle/>
           <a:p>
-            <a:endParaRPr lang="en-US"/>
+            <a:r>
+              <a:rPr lang="en-US"/>
+              <a:t>Andrei Inoue Hirata</a:t>
+            </a:r>
           </a:p>
         </p:txBody>
       </p:sp>
@@ -6621,7 +7203,7 @@
           <a:bodyPr/>
           <a:lstStyle/>
           <a:p>
-            <a:fld id="{5BCAD085-E8A6-8845-BD4E-CB4CCA059FC4}" type="datetimeFigureOut">
+            <a:fld id="{5EF542E0-A116-4F59-AC2D-633D62E1D421}" type="datetime1">
               <a:rPr lang="en-US" smtClean="0"/>
               <a:t>4/1/2025</a:t>
             </a:fld>
@@ -6649,7 +7231,10 @@
           <a:bodyPr/>
           <a:lstStyle/>
           <a:p>
-            <a:endParaRPr lang="en-US"/>
+            <a:r>
+              <a:rPr lang="en-US"/>
+              <a:t>Andrei Inoue Hirata</a:t>
+            </a:r>
           </a:p>
         </p:txBody>
       </p:sp>
@@ -6886,7 +7471,7 @@
             </a:lvl1pPr>
           </a:lstStyle>
           <a:p>
-            <a:fld id="{5BCAD085-E8A6-8845-BD4E-CB4CCA059FC4}" type="datetimeFigureOut">
+            <a:fld id="{2BA765E1-F1C9-4FD3-98A7-FD8D0AD66200}" type="datetime1">
               <a:rPr lang="en-US" smtClean="0"/>
               <a:t>4/1/2025</a:t>
             </a:fld>
@@ -6928,7 +7513,10 @@
             </a:lvl1pPr>
           </a:lstStyle>
           <a:p>
-            <a:endParaRPr lang="en-US"/>
+            <a:r>
+              <a:rPr lang="en-US"/>
+              <a:t>Andrei Inoue Hirata</a:t>
+            </a:r>
           </a:p>
         </p:txBody>
       </p:sp>
@@ -7170,6 +7758,7 @@
     <p:sldLayoutId id="2147483670" r:id="rId10"/>
     <p:sldLayoutId id="2147483671" r:id="rId11"/>
   </p:sldLayoutIdLst>
+  <p:hf sldNum="0" hdr="0" dt="0"/>
   <p:txStyles>
     <p:titleStyle>
       <a:lvl1pPr algn="l" defTabSz="685800" rtl="0" eaLnBrk="1" latinLnBrk="0" hangingPunct="1">
@@ -10493,6 +11082,34 @@
           </a:custGeom>
         </p:spPr>
       </p:pic>
+      <p:sp>
+        <p:nvSpPr>
+          <p:cNvPr id="4" name="Espaço Reservado para Rodapé 3">
+            <a:extLst>
+              <a:ext uri="{FF2B5EF4-FFF2-40B4-BE49-F238E27FC236}">
+                <a16:creationId xmlns:a16="http://schemas.microsoft.com/office/drawing/2014/main" id="{BAC4BC2E-D564-4070-AC5F-8CD64A4D0AC7}"/>
+              </a:ext>
+            </a:extLst>
+          </p:cNvPr>
+          <p:cNvSpPr>
+            <a:spLocks noGrp="1"/>
+          </p:cNvSpPr>
+          <p:nvPr>
+            <p:ph type="ftr" sz="quarter" idx="11"/>
+          </p:nvPr>
+        </p:nvSpPr>
+        <p:spPr/>
+        <p:txBody>
+          <a:bodyPr/>
+          <a:lstStyle/>
+          <a:p>
+            <a:r>
+              <a:rPr lang="en-US"/>
+              <a:t>Andrei Inoue Hirata</a:t>
+            </a:r>
+          </a:p>
+        </p:txBody>
+      </p:sp>
     </p:spTree>
   </p:cSld>
   <p:clrMapOvr>
@@ -10757,6 +11374,34 @@
           </a:p>
         </p:txBody>
       </p:sp>
+      <p:sp>
+        <p:nvSpPr>
+          <p:cNvPr id="4" name="Espaço Reservado para Rodapé 3">
+            <a:extLst>
+              <a:ext uri="{FF2B5EF4-FFF2-40B4-BE49-F238E27FC236}">
+                <a16:creationId xmlns:a16="http://schemas.microsoft.com/office/drawing/2014/main" id="{95147BED-92C4-43E3-8FAE-E5DA1B6687F0}"/>
+              </a:ext>
+            </a:extLst>
+          </p:cNvPr>
+          <p:cNvSpPr>
+            <a:spLocks noGrp="1"/>
+          </p:cNvSpPr>
+          <p:nvPr>
+            <p:ph type="ftr" sz="quarter" idx="11"/>
+          </p:nvPr>
+        </p:nvSpPr>
+        <p:spPr/>
+        <p:txBody>
+          <a:bodyPr/>
+          <a:lstStyle/>
+          <a:p>
+            <a:r>
+              <a:rPr lang="en-US"/>
+              <a:t>Andrei Inoue Hirata</a:t>
+            </a:r>
+          </a:p>
+        </p:txBody>
+      </p:sp>
     </p:spTree>
   </p:cSld>
   <p:clrMapOvr>
@@ -10970,6 +11615,34 @@
             <a:r>
               <a:rPr sz="1100" dirty="0"/>
               <a:t>&lt;/nav&gt;</a:t>
+            </a:r>
+          </a:p>
+        </p:txBody>
+      </p:sp>
+      <p:sp>
+        <p:nvSpPr>
+          <p:cNvPr id="4" name="Espaço Reservado para Rodapé 3">
+            <a:extLst>
+              <a:ext uri="{FF2B5EF4-FFF2-40B4-BE49-F238E27FC236}">
+                <a16:creationId xmlns:a16="http://schemas.microsoft.com/office/drawing/2014/main" id="{E3207DF7-D507-46FC-86F6-A7B6C2A98C72}"/>
+              </a:ext>
+            </a:extLst>
+          </p:cNvPr>
+          <p:cNvSpPr>
+            <a:spLocks noGrp="1"/>
+          </p:cNvSpPr>
+          <p:nvPr>
+            <p:ph type="ftr" sz="quarter" idx="11"/>
+          </p:nvPr>
+        </p:nvSpPr>
+        <p:spPr/>
+        <p:txBody>
+          <a:bodyPr/>
+          <a:lstStyle/>
+          <a:p>
+            <a:r>
+              <a:rPr lang="en-US"/>
+              <a:t>Andrei Inoue Hirata</a:t>
             </a:r>
           </a:p>
         </p:txBody>
@@ -11209,6 +11882,34 @@
           </a:p>
         </p:txBody>
       </p:sp>
+      <p:sp>
+        <p:nvSpPr>
+          <p:cNvPr id="4" name="Espaço Reservado para Rodapé 3">
+            <a:extLst>
+              <a:ext uri="{FF2B5EF4-FFF2-40B4-BE49-F238E27FC236}">
+                <a16:creationId xmlns:a16="http://schemas.microsoft.com/office/drawing/2014/main" id="{1B278599-1CC6-42BE-B374-919BC8A4BDC2}"/>
+              </a:ext>
+            </a:extLst>
+          </p:cNvPr>
+          <p:cNvSpPr>
+            <a:spLocks noGrp="1"/>
+          </p:cNvSpPr>
+          <p:nvPr>
+            <p:ph type="ftr" sz="quarter" idx="11"/>
+          </p:nvPr>
+        </p:nvSpPr>
+        <p:spPr/>
+        <p:txBody>
+          <a:bodyPr/>
+          <a:lstStyle/>
+          <a:p>
+            <a:r>
+              <a:rPr lang="en-US"/>
+              <a:t>Andrei Inoue Hirata</a:t>
+            </a:r>
+          </a:p>
+        </p:txBody>
+      </p:sp>
     </p:spTree>
   </p:cSld>
   <p:clrMapOvr>
@@ -11385,6 +12086,34 @@
             <a:r>
               <a:rPr dirty="0"/>
               <a:t>.</a:t>
+            </a:r>
+          </a:p>
+        </p:txBody>
+      </p:sp>
+      <p:sp>
+        <p:nvSpPr>
+          <p:cNvPr id="4" name="Espaço Reservado para Rodapé 3">
+            <a:extLst>
+              <a:ext uri="{FF2B5EF4-FFF2-40B4-BE49-F238E27FC236}">
+                <a16:creationId xmlns:a16="http://schemas.microsoft.com/office/drawing/2014/main" id="{A0235994-5809-4B7C-9ACC-09C42DBD6A2F}"/>
+              </a:ext>
+            </a:extLst>
+          </p:cNvPr>
+          <p:cNvSpPr>
+            <a:spLocks noGrp="1"/>
+          </p:cNvSpPr>
+          <p:nvPr>
+            <p:ph type="ftr" sz="quarter" idx="11"/>
+          </p:nvPr>
+        </p:nvSpPr>
+        <p:spPr/>
+        <p:txBody>
+          <a:bodyPr/>
+          <a:lstStyle/>
+          <a:p>
+            <a:r>
+              <a:rPr lang="en-US"/>
+              <a:t>Andrei Inoue Hirata</a:t>
             </a:r>
           </a:p>
         </p:txBody>
@@ -11569,6 +12298,34 @@
           </a:p>
         </p:txBody>
       </p:sp>
+      <p:sp>
+        <p:nvSpPr>
+          <p:cNvPr id="4" name="Espaço Reservado para Rodapé 3">
+            <a:extLst>
+              <a:ext uri="{FF2B5EF4-FFF2-40B4-BE49-F238E27FC236}">
+                <a16:creationId xmlns:a16="http://schemas.microsoft.com/office/drawing/2014/main" id="{93CF6A66-3A7D-437A-BF57-7EA6A08AC9D1}"/>
+              </a:ext>
+            </a:extLst>
+          </p:cNvPr>
+          <p:cNvSpPr>
+            <a:spLocks noGrp="1"/>
+          </p:cNvSpPr>
+          <p:nvPr>
+            <p:ph type="ftr" sz="quarter" idx="11"/>
+          </p:nvPr>
+        </p:nvSpPr>
+        <p:spPr/>
+        <p:txBody>
+          <a:bodyPr/>
+          <a:lstStyle/>
+          <a:p>
+            <a:r>
+              <a:rPr lang="en-US"/>
+              <a:t>Andrei Inoue Hirata</a:t>
+            </a:r>
+          </a:p>
+        </p:txBody>
+      </p:sp>
     </p:spTree>
   </p:cSld>
   <p:clrMapOvr>
@@ -11893,6 +12650,34 @@
             <a:r>
               <a:rPr sz="1100" dirty="0"/>
               <a:t>&lt;/html&gt;</a:t>
+            </a:r>
+          </a:p>
+        </p:txBody>
+      </p:sp>
+      <p:sp>
+        <p:nvSpPr>
+          <p:cNvPr id="4" name="Espaço Reservado para Rodapé 3">
+            <a:extLst>
+              <a:ext uri="{FF2B5EF4-FFF2-40B4-BE49-F238E27FC236}">
+                <a16:creationId xmlns:a16="http://schemas.microsoft.com/office/drawing/2014/main" id="{FC2011F9-2E4A-41B0-891D-F793EB3ADEFC}"/>
+              </a:ext>
+            </a:extLst>
+          </p:cNvPr>
+          <p:cNvSpPr>
+            <a:spLocks noGrp="1"/>
+          </p:cNvSpPr>
+          <p:nvPr>
+            <p:ph type="ftr" sz="quarter" idx="11"/>
+          </p:nvPr>
+        </p:nvSpPr>
+        <p:spPr/>
+        <p:txBody>
+          <a:bodyPr/>
+          <a:lstStyle/>
+          <a:p>
+            <a:r>
+              <a:rPr lang="en-US"/>
+              <a:t>Andrei Inoue Hirata</a:t>
             </a:r>
           </a:p>
         </p:txBody>
@@ -12065,6 +12850,34 @@
           </a:p>
         </p:txBody>
       </p:sp>
+      <p:sp>
+        <p:nvSpPr>
+          <p:cNvPr id="4" name="Espaço Reservado para Rodapé 3">
+            <a:extLst>
+              <a:ext uri="{FF2B5EF4-FFF2-40B4-BE49-F238E27FC236}">
+                <a16:creationId xmlns:a16="http://schemas.microsoft.com/office/drawing/2014/main" id="{ED0E383C-7495-45D8-A625-C92C35EA38EE}"/>
+              </a:ext>
+            </a:extLst>
+          </p:cNvPr>
+          <p:cNvSpPr>
+            <a:spLocks noGrp="1"/>
+          </p:cNvSpPr>
+          <p:nvPr>
+            <p:ph type="ftr" sz="quarter" idx="11"/>
+          </p:nvPr>
+        </p:nvSpPr>
+        <p:spPr/>
+        <p:txBody>
+          <a:bodyPr/>
+          <a:lstStyle/>
+          <a:p>
+            <a:r>
+              <a:rPr lang="en-US"/>
+              <a:t>Andrei Inoue Hirata</a:t>
+            </a:r>
+          </a:p>
+        </p:txBody>
+      </p:sp>
     </p:spTree>
   </p:cSld>
   <p:clrMapOvr>
@@ -12163,6 +12976,34 @@
               <a:t>práticos</a:t>
             </a:r>
             <a:endParaRPr dirty="0"/>
+          </a:p>
+        </p:txBody>
+      </p:sp>
+      <p:sp>
+        <p:nvSpPr>
+          <p:cNvPr id="4" name="Espaço Reservado para Rodapé 3">
+            <a:extLst>
+              <a:ext uri="{FF2B5EF4-FFF2-40B4-BE49-F238E27FC236}">
+                <a16:creationId xmlns:a16="http://schemas.microsoft.com/office/drawing/2014/main" id="{1B43C89B-FF32-43BB-ABCC-93AFCAE4A0D9}"/>
+              </a:ext>
+            </a:extLst>
+          </p:cNvPr>
+          <p:cNvSpPr>
+            <a:spLocks noGrp="1"/>
+          </p:cNvSpPr>
+          <p:nvPr>
+            <p:ph type="ftr" sz="quarter" idx="11"/>
+          </p:nvPr>
+        </p:nvSpPr>
+        <p:spPr/>
+        <p:txBody>
+          <a:bodyPr/>
+          <a:lstStyle/>
+          <a:p>
+            <a:r>
+              <a:rPr lang="en-US"/>
+              <a:t>Andrei Inoue Hirata</a:t>
+            </a:r>
           </a:p>
         </p:txBody>
       </p:sp>
@@ -12432,4 +13273,594 @@
     </a:ext>
   </a:extLst>
 </a:theme>
+</file>
+
+<file path=ppt/theme/theme2.xml><?xml version="1.0" encoding="utf-8"?>
+<a:theme xmlns:a="http://schemas.openxmlformats.org/drawingml/2006/main" name="Tema do Office">
+  <a:themeElements>
+    <a:clrScheme name="Office">
+      <a:dk1>
+        <a:sysClr val="windowText" lastClr="000000"/>
+      </a:dk1>
+      <a:lt1>
+        <a:sysClr val="window" lastClr="FFFFFF"/>
+      </a:lt1>
+      <a:dk2>
+        <a:srgbClr val="44546A"/>
+      </a:dk2>
+      <a:lt2>
+        <a:srgbClr val="E7E6E6"/>
+      </a:lt2>
+      <a:accent1>
+        <a:srgbClr val="4472C4"/>
+      </a:accent1>
+      <a:accent2>
+        <a:srgbClr val="ED7D31"/>
+      </a:accent2>
+      <a:accent3>
+        <a:srgbClr val="A5A5A5"/>
+      </a:accent3>
+      <a:accent4>
+        <a:srgbClr val="FFC000"/>
+      </a:accent4>
+      <a:accent5>
+        <a:srgbClr val="5B9BD5"/>
+      </a:accent5>
+      <a:accent6>
+        <a:srgbClr val="70AD47"/>
+      </a:accent6>
+      <a:hlink>
+        <a:srgbClr val="0563C1"/>
+      </a:hlink>
+      <a:folHlink>
+        <a:srgbClr val="954F72"/>
+      </a:folHlink>
+    </a:clrScheme>
+    <a:fontScheme name="Office">
+      <a:majorFont>
+        <a:latin typeface="Calibri Light" panose="020F0302020204030204"/>
+        <a:ea typeface=""/>
+        <a:cs typeface=""/>
+        <a:font script="Jpan" typeface="游ゴシック Light"/>
+        <a:font script="Hang" typeface="맑은 고딕"/>
+        <a:font script="Hans" typeface="等线 Light"/>
+        <a:font script="Hant" typeface="新細明體"/>
+        <a:font script="Arab" typeface="Times New Roman"/>
+        <a:font script="Hebr" typeface="Times New Roman"/>
+        <a:font script="Thai" typeface="Angsana New"/>
+        <a:font script="Ethi" typeface="Nyala"/>
+        <a:font script="Beng" typeface="Vrinda"/>
+        <a:font script="Gujr" typeface="Shruti"/>
+        <a:font script="Khmr" typeface="MoolBoran"/>
+        <a:font script="Knda" typeface="Tunga"/>
+        <a:font script="Guru" typeface="Raavi"/>
+        <a:font script="Cans" typeface="Euphemia"/>
+        <a:font script="Cher" typeface="Plantagenet Cherokee"/>
+        <a:font script="Yiii" typeface="Microsoft Yi Baiti"/>
+        <a:font script="Tibt" typeface="Microsoft Himalaya"/>
+        <a:font script="Thaa" typeface="MV Boli"/>
+        <a:font script="Deva" typeface="Mangal"/>
+        <a:font script="Telu" typeface="Gautami"/>
+        <a:font script="Taml" typeface="Latha"/>
+        <a:font script="Syrc" typeface="Estrangelo Edessa"/>
+        <a:font script="Orya" typeface="Kalinga"/>
+        <a:font script="Mlym" typeface="Kartika"/>
+        <a:font script="Laoo" typeface="DokChampa"/>
+        <a:font script="Sinh" typeface="Iskoola Pota"/>
+        <a:font script="Mong" typeface="Mongolian Baiti"/>
+        <a:font script="Viet" typeface="Times New Roman"/>
+        <a:font script="Uigh" typeface="Microsoft Uighur"/>
+        <a:font script="Geor" typeface="Sylfaen"/>
+        <a:font script="Armn" typeface="Arial"/>
+        <a:font script="Bugi" typeface="Leelawadee UI"/>
+        <a:font script="Bopo" typeface="Microsoft JhengHei"/>
+        <a:font script="Java" typeface="Javanese Text"/>
+        <a:font script="Lisu" typeface="Segoe UI"/>
+        <a:font script="Mymr" typeface="Myanmar Text"/>
+        <a:font script="Nkoo" typeface="Ebrima"/>
+        <a:font script="Olck" typeface="Nirmala UI"/>
+        <a:font script="Osma" typeface="Ebrima"/>
+        <a:font script="Phag" typeface="Phagspa"/>
+        <a:font script="Syrn" typeface="Estrangelo Edessa"/>
+        <a:font script="Syrj" typeface="Estrangelo Edessa"/>
+        <a:font script="Syre" typeface="Estrangelo Edessa"/>
+        <a:font script="Sora" typeface="Nirmala UI"/>
+        <a:font script="Tale" typeface="Microsoft Tai Le"/>
+        <a:font script="Talu" typeface="Microsoft New Tai Lue"/>
+        <a:font script="Tfng" typeface="Ebrima"/>
+      </a:majorFont>
+      <a:minorFont>
+        <a:latin typeface="Calibri" panose="020F0502020204030204"/>
+        <a:ea typeface=""/>
+        <a:cs typeface=""/>
+        <a:font script="Jpan" typeface="游ゴシック"/>
+        <a:font script="Hang" typeface="맑은 고딕"/>
+        <a:font script="Hans" typeface="等线"/>
+        <a:font script="Hant" typeface="新細明體"/>
+        <a:font script="Arab" typeface="Arial"/>
+        <a:font script="Hebr" typeface="Arial"/>
+        <a:font script="Thai" typeface="Cordia New"/>
+        <a:font script="Ethi" typeface="Nyala"/>
+        <a:font script="Beng" typeface="Vrinda"/>
+        <a:font script="Gujr" typeface="Shruti"/>
+        <a:font script="Khmr" typeface="DaunPenh"/>
+        <a:font script="Knda" typeface="Tunga"/>
+        <a:font script="Guru" typeface="Raavi"/>
+        <a:font script="Cans" typeface="Euphemia"/>
+        <a:font script="Cher" typeface="Plantagenet Cherokee"/>
+        <a:font script="Yiii" typeface="Microsoft Yi Baiti"/>
+        <a:font script="Tibt" typeface="Microsoft Himalaya"/>
+        <a:font script="Thaa" typeface="MV Boli"/>
+        <a:font script="Deva" typeface="Mangal"/>
+        <a:font script="Telu" typeface="Gautami"/>
+        <a:font script="Taml" typeface="Latha"/>
+        <a:font script="Syrc" typeface="Estrangelo Edessa"/>
+        <a:font script="Orya" typeface="Kalinga"/>
+        <a:font script="Mlym" typeface="Kartika"/>
+        <a:font script="Laoo" typeface="DokChampa"/>
+        <a:font script="Sinh" typeface="Iskoola Pota"/>
+        <a:font script="Mong" typeface="Mongolian Baiti"/>
+        <a:font script="Viet" typeface="Arial"/>
+        <a:font script="Uigh" typeface="Microsoft Uighur"/>
+        <a:font script="Geor" typeface="Sylfaen"/>
+        <a:font script="Armn" typeface="Arial"/>
+        <a:font script="Bugi" typeface="Leelawadee UI"/>
+        <a:font script="Bopo" typeface="Microsoft JhengHei"/>
+        <a:font script="Java" typeface="Javanese Text"/>
+        <a:font script="Lisu" typeface="Segoe UI"/>
+        <a:font script="Mymr" typeface="Myanmar Text"/>
+        <a:font script="Nkoo" typeface="Ebrima"/>
+        <a:font script="Olck" typeface="Nirmala UI"/>
+        <a:font script="Osma" typeface="Ebrima"/>
+        <a:font script="Phag" typeface="Phagspa"/>
+        <a:font script="Syrn" typeface="Estrangelo Edessa"/>
+        <a:font script="Syrj" typeface="Estrangelo Edessa"/>
+        <a:font script="Syre" typeface="Estrangelo Edessa"/>
+        <a:font script="Sora" typeface="Nirmala UI"/>
+        <a:font script="Tale" typeface="Microsoft Tai Le"/>
+        <a:font script="Talu" typeface="Microsoft New Tai Lue"/>
+        <a:font script="Tfng" typeface="Ebrima"/>
+      </a:minorFont>
+    </a:fontScheme>
+    <a:fmtScheme name="Office">
+      <a:fillStyleLst>
+        <a:solidFill>
+          <a:schemeClr val="phClr"/>
+        </a:solidFill>
+        <a:gradFill rotWithShape="1">
+          <a:gsLst>
+            <a:gs pos="0">
+              <a:schemeClr val="phClr">
+                <a:lumMod val="110000"/>
+                <a:satMod val="105000"/>
+                <a:tint val="67000"/>
+              </a:schemeClr>
+            </a:gs>
+            <a:gs pos="50000">
+              <a:schemeClr val="phClr">
+                <a:lumMod val="105000"/>
+                <a:satMod val="103000"/>
+                <a:tint val="73000"/>
+              </a:schemeClr>
+            </a:gs>
+            <a:gs pos="100000">
+              <a:schemeClr val="phClr">
+                <a:lumMod val="105000"/>
+                <a:satMod val="109000"/>
+                <a:tint val="81000"/>
+              </a:schemeClr>
+            </a:gs>
+          </a:gsLst>
+          <a:lin ang="5400000" scaled="0"/>
+        </a:gradFill>
+        <a:gradFill rotWithShape="1">
+          <a:gsLst>
+            <a:gs pos="0">
+              <a:schemeClr val="phClr">
+                <a:satMod val="103000"/>
+                <a:lumMod val="102000"/>
+                <a:tint val="94000"/>
+              </a:schemeClr>
+            </a:gs>
+            <a:gs pos="50000">
+              <a:schemeClr val="phClr">
+                <a:satMod val="110000"/>
+                <a:lumMod val="100000"/>
+                <a:shade val="100000"/>
+              </a:schemeClr>
+            </a:gs>
+            <a:gs pos="100000">
+              <a:schemeClr val="phClr">
+                <a:lumMod val="99000"/>
+                <a:satMod val="120000"/>
+                <a:shade val="78000"/>
+              </a:schemeClr>
+            </a:gs>
+          </a:gsLst>
+          <a:lin ang="5400000" scaled="0"/>
+        </a:gradFill>
+      </a:fillStyleLst>
+      <a:lnStyleLst>
+        <a:ln w="6350" cap="flat" cmpd="sng" algn="ctr">
+          <a:solidFill>
+            <a:schemeClr val="phClr"/>
+          </a:solidFill>
+          <a:prstDash val="solid"/>
+          <a:miter lim="800000"/>
+        </a:ln>
+        <a:ln w="12700" cap="flat" cmpd="sng" algn="ctr">
+          <a:solidFill>
+            <a:schemeClr val="phClr"/>
+          </a:solidFill>
+          <a:prstDash val="solid"/>
+          <a:miter lim="800000"/>
+        </a:ln>
+        <a:ln w="19050" cap="flat" cmpd="sng" algn="ctr">
+          <a:solidFill>
+            <a:schemeClr val="phClr"/>
+          </a:solidFill>
+          <a:prstDash val="solid"/>
+          <a:miter lim="800000"/>
+        </a:ln>
+      </a:lnStyleLst>
+      <a:effectStyleLst>
+        <a:effectStyle>
+          <a:effectLst/>
+        </a:effectStyle>
+        <a:effectStyle>
+          <a:effectLst/>
+        </a:effectStyle>
+        <a:effectStyle>
+          <a:effectLst>
+            <a:outerShdw blurRad="57150" dist="19050" dir="5400000" algn="ctr" rotWithShape="0">
+              <a:srgbClr val="000000">
+                <a:alpha val="63000"/>
+              </a:srgbClr>
+            </a:outerShdw>
+          </a:effectLst>
+        </a:effectStyle>
+      </a:effectStyleLst>
+      <a:bgFillStyleLst>
+        <a:solidFill>
+          <a:schemeClr val="phClr"/>
+        </a:solidFill>
+        <a:solidFill>
+          <a:schemeClr val="phClr">
+            <a:tint val="95000"/>
+            <a:satMod val="170000"/>
+          </a:schemeClr>
+        </a:solidFill>
+        <a:gradFill rotWithShape="1">
+          <a:gsLst>
+            <a:gs pos="0">
+              <a:schemeClr val="phClr">
+                <a:tint val="93000"/>
+                <a:satMod val="150000"/>
+                <a:shade val="98000"/>
+                <a:lumMod val="102000"/>
+              </a:schemeClr>
+            </a:gs>
+            <a:gs pos="50000">
+              <a:schemeClr val="phClr">
+                <a:tint val="98000"/>
+                <a:satMod val="130000"/>
+                <a:shade val="90000"/>
+                <a:lumMod val="103000"/>
+              </a:schemeClr>
+            </a:gs>
+            <a:gs pos="100000">
+              <a:schemeClr val="phClr">
+                <a:shade val="63000"/>
+                <a:satMod val="120000"/>
+              </a:schemeClr>
+            </a:gs>
+          </a:gsLst>
+          <a:lin ang="5400000" scaled="0"/>
+        </a:gradFill>
+      </a:bgFillStyleLst>
+    </a:fmtScheme>
+  </a:themeElements>
+  <a:objectDefaults/>
+  <a:extraClrSchemeLst/>
+  <a:extLst>
+    <a:ext uri="{05A4C25C-085E-4340-85A3-A5531E510DB2}">
+      <thm15:themeFamily xmlns:thm15="http://schemas.microsoft.com/office/thememl/2012/main" name="Office Theme" id="{62F939B6-93AF-4DB8-9C6B-D6C7DFDC589F}" vid="{4A3C46E8-61CC-4603-A589-7422A47A8E4A}"/>
+    </a:ext>
+  </a:extLst>
+</a:theme>
+</file>
+
+<file path=ppt/theme/theme3.xml><?xml version="1.0" encoding="utf-8"?>
+<a:theme xmlns:a="http://schemas.openxmlformats.org/drawingml/2006/main" name="Tema do Office">
+  <a:themeElements>
+    <a:clrScheme name="Office">
+      <a:dk1>
+        <a:sysClr val="windowText" lastClr="000000"/>
+      </a:dk1>
+      <a:lt1>
+        <a:sysClr val="window" lastClr="FFFFFF"/>
+      </a:lt1>
+      <a:dk2>
+        <a:srgbClr val="44546A"/>
+      </a:dk2>
+      <a:lt2>
+        <a:srgbClr val="E7E6E6"/>
+      </a:lt2>
+      <a:accent1>
+        <a:srgbClr val="4472C4"/>
+      </a:accent1>
+      <a:accent2>
+        <a:srgbClr val="ED7D31"/>
+      </a:accent2>
+      <a:accent3>
+        <a:srgbClr val="A5A5A5"/>
+      </a:accent3>
+      <a:accent4>
+        <a:srgbClr val="FFC000"/>
+      </a:accent4>
+      <a:accent5>
+        <a:srgbClr val="5B9BD5"/>
+      </a:accent5>
+      <a:accent6>
+        <a:srgbClr val="70AD47"/>
+      </a:accent6>
+      <a:hlink>
+        <a:srgbClr val="0563C1"/>
+      </a:hlink>
+      <a:folHlink>
+        <a:srgbClr val="954F72"/>
+      </a:folHlink>
+    </a:clrScheme>
+    <a:fontScheme name="Office">
+      <a:majorFont>
+        <a:latin typeface="Calibri Light" panose="020F0302020204030204"/>
+        <a:ea typeface=""/>
+        <a:cs typeface=""/>
+        <a:font script="Jpan" typeface="游ゴシック Light"/>
+        <a:font script="Hang" typeface="맑은 고딕"/>
+        <a:font script="Hans" typeface="等线 Light"/>
+        <a:font script="Hant" typeface="新細明體"/>
+        <a:font script="Arab" typeface="Times New Roman"/>
+        <a:font script="Hebr" typeface="Times New Roman"/>
+        <a:font script="Thai" typeface="Angsana New"/>
+        <a:font script="Ethi" typeface="Nyala"/>
+        <a:font script="Beng" typeface="Vrinda"/>
+        <a:font script="Gujr" typeface="Shruti"/>
+        <a:font script="Khmr" typeface="MoolBoran"/>
+        <a:font script="Knda" typeface="Tunga"/>
+        <a:font script="Guru" typeface="Raavi"/>
+        <a:font script="Cans" typeface="Euphemia"/>
+        <a:font script="Cher" typeface="Plantagenet Cherokee"/>
+        <a:font script="Yiii" typeface="Microsoft Yi Baiti"/>
+        <a:font script="Tibt" typeface="Microsoft Himalaya"/>
+        <a:font script="Thaa" typeface="MV Boli"/>
+        <a:font script="Deva" typeface="Mangal"/>
+        <a:font script="Telu" typeface="Gautami"/>
+        <a:font script="Taml" typeface="Latha"/>
+        <a:font script="Syrc" typeface="Estrangelo Edessa"/>
+        <a:font script="Orya" typeface="Kalinga"/>
+        <a:font script="Mlym" typeface="Kartika"/>
+        <a:font script="Laoo" typeface="DokChampa"/>
+        <a:font script="Sinh" typeface="Iskoola Pota"/>
+        <a:font script="Mong" typeface="Mongolian Baiti"/>
+        <a:font script="Viet" typeface="Times New Roman"/>
+        <a:font script="Uigh" typeface="Microsoft Uighur"/>
+        <a:font script="Geor" typeface="Sylfaen"/>
+        <a:font script="Armn" typeface="Arial"/>
+        <a:font script="Bugi" typeface="Leelawadee UI"/>
+        <a:font script="Bopo" typeface="Microsoft JhengHei"/>
+        <a:font script="Java" typeface="Javanese Text"/>
+        <a:font script="Lisu" typeface="Segoe UI"/>
+        <a:font script="Mymr" typeface="Myanmar Text"/>
+        <a:font script="Nkoo" typeface="Ebrima"/>
+        <a:font script="Olck" typeface="Nirmala UI"/>
+        <a:font script="Osma" typeface="Ebrima"/>
+        <a:font script="Phag" typeface="Phagspa"/>
+        <a:font script="Syrn" typeface="Estrangelo Edessa"/>
+        <a:font script="Syrj" typeface="Estrangelo Edessa"/>
+        <a:font script="Syre" typeface="Estrangelo Edessa"/>
+        <a:font script="Sora" typeface="Nirmala UI"/>
+        <a:font script="Tale" typeface="Microsoft Tai Le"/>
+        <a:font script="Talu" typeface="Microsoft New Tai Lue"/>
+        <a:font script="Tfng" typeface="Ebrima"/>
+      </a:majorFont>
+      <a:minorFont>
+        <a:latin typeface="Calibri" panose="020F0502020204030204"/>
+        <a:ea typeface=""/>
+        <a:cs typeface=""/>
+        <a:font script="Jpan" typeface="游ゴシック"/>
+        <a:font script="Hang" typeface="맑은 고딕"/>
+        <a:font script="Hans" typeface="等线"/>
+        <a:font script="Hant" typeface="新細明體"/>
+        <a:font script="Arab" typeface="Arial"/>
+        <a:font script="Hebr" typeface="Arial"/>
+        <a:font script="Thai" typeface="Cordia New"/>
+        <a:font script="Ethi" typeface="Nyala"/>
+        <a:font script="Beng" typeface="Vrinda"/>
+        <a:font script="Gujr" typeface="Shruti"/>
+        <a:font script="Khmr" typeface="DaunPenh"/>
+        <a:font script="Knda" typeface="Tunga"/>
+        <a:font script="Guru" typeface="Raavi"/>
+        <a:font script="Cans" typeface="Euphemia"/>
+        <a:font script="Cher" typeface="Plantagenet Cherokee"/>
+        <a:font script="Yiii" typeface="Microsoft Yi Baiti"/>
+        <a:font script="Tibt" typeface="Microsoft Himalaya"/>
+        <a:font script="Thaa" typeface="MV Boli"/>
+        <a:font script="Deva" typeface="Mangal"/>
+        <a:font script="Telu" typeface="Gautami"/>
+        <a:font script="Taml" typeface="Latha"/>
+        <a:font script="Syrc" typeface="Estrangelo Edessa"/>
+        <a:font script="Orya" typeface="Kalinga"/>
+        <a:font script="Mlym" typeface="Kartika"/>
+        <a:font script="Laoo" typeface="DokChampa"/>
+        <a:font script="Sinh" typeface="Iskoola Pota"/>
+        <a:font script="Mong" typeface="Mongolian Baiti"/>
+        <a:font script="Viet" typeface="Arial"/>
+        <a:font script="Uigh" typeface="Microsoft Uighur"/>
+        <a:font script="Geor" typeface="Sylfaen"/>
+        <a:font script="Armn" typeface="Arial"/>
+        <a:font script="Bugi" typeface="Leelawadee UI"/>
+        <a:font script="Bopo" typeface="Microsoft JhengHei"/>
+        <a:font script="Java" typeface="Javanese Text"/>
+        <a:font script="Lisu" typeface="Segoe UI"/>
+        <a:font script="Mymr" typeface="Myanmar Text"/>
+        <a:font script="Nkoo" typeface="Ebrima"/>
+        <a:font script="Olck" typeface="Nirmala UI"/>
+        <a:font script="Osma" typeface="Ebrima"/>
+        <a:font script="Phag" typeface="Phagspa"/>
+        <a:font script="Syrn" typeface="Estrangelo Edessa"/>
+        <a:font script="Syrj" typeface="Estrangelo Edessa"/>
+        <a:font script="Syre" typeface="Estrangelo Edessa"/>
+        <a:font script="Sora" typeface="Nirmala UI"/>
+        <a:font script="Tale" typeface="Microsoft Tai Le"/>
+        <a:font script="Talu" typeface="Microsoft New Tai Lue"/>
+        <a:font script="Tfng" typeface="Ebrima"/>
+      </a:minorFont>
+    </a:fontScheme>
+    <a:fmtScheme name="Office">
+      <a:fillStyleLst>
+        <a:solidFill>
+          <a:schemeClr val="phClr"/>
+        </a:solidFill>
+        <a:gradFill rotWithShape="1">
+          <a:gsLst>
+            <a:gs pos="0">
+              <a:schemeClr val="phClr">
+                <a:lumMod val="110000"/>
+                <a:satMod val="105000"/>
+                <a:tint val="67000"/>
+              </a:schemeClr>
+            </a:gs>
+            <a:gs pos="50000">
+              <a:schemeClr val="phClr">
+                <a:lumMod val="105000"/>
+                <a:satMod val="103000"/>
+                <a:tint val="73000"/>
+              </a:schemeClr>
+            </a:gs>
+            <a:gs pos="100000">
+              <a:schemeClr val="phClr">
+                <a:lumMod val="105000"/>
+                <a:satMod val="109000"/>
+                <a:tint val="81000"/>
+              </a:schemeClr>
+            </a:gs>
+          </a:gsLst>
+          <a:lin ang="5400000" scaled="0"/>
+        </a:gradFill>
+        <a:gradFill rotWithShape="1">
+          <a:gsLst>
+            <a:gs pos="0">
+              <a:schemeClr val="phClr">
+                <a:satMod val="103000"/>
+                <a:lumMod val="102000"/>
+                <a:tint val="94000"/>
+              </a:schemeClr>
+            </a:gs>
+            <a:gs pos="50000">
+              <a:schemeClr val="phClr">
+                <a:satMod val="110000"/>
+                <a:lumMod val="100000"/>
+                <a:shade val="100000"/>
+              </a:schemeClr>
+            </a:gs>
+            <a:gs pos="100000">
+              <a:schemeClr val="phClr">
+                <a:lumMod val="99000"/>
+                <a:satMod val="120000"/>
+                <a:shade val="78000"/>
+              </a:schemeClr>
+            </a:gs>
+          </a:gsLst>
+          <a:lin ang="5400000" scaled="0"/>
+        </a:gradFill>
+      </a:fillStyleLst>
+      <a:lnStyleLst>
+        <a:ln w="6350" cap="flat" cmpd="sng" algn="ctr">
+          <a:solidFill>
+            <a:schemeClr val="phClr"/>
+          </a:solidFill>
+          <a:prstDash val="solid"/>
+          <a:miter lim="800000"/>
+        </a:ln>
+        <a:ln w="12700" cap="flat" cmpd="sng" algn="ctr">
+          <a:solidFill>
+            <a:schemeClr val="phClr"/>
+          </a:solidFill>
+          <a:prstDash val="solid"/>
+          <a:miter lim="800000"/>
+        </a:ln>
+        <a:ln w="19050" cap="flat" cmpd="sng" algn="ctr">
+          <a:solidFill>
+            <a:schemeClr val="phClr"/>
+          </a:solidFill>
+          <a:prstDash val="solid"/>
+          <a:miter lim="800000"/>
+        </a:ln>
+      </a:lnStyleLst>
+      <a:effectStyleLst>
+        <a:effectStyle>
+          <a:effectLst/>
+        </a:effectStyle>
+        <a:effectStyle>
+          <a:effectLst/>
+        </a:effectStyle>
+        <a:effectStyle>
+          <a:effectLst>
+            <a:outerShdw blurRad="57150" dist="19050" dir="5400000" algn="ctr" rotWithShape="0">
+              <a:srgbClr val="000000">
+                <a:alpha val="63000"/>
+              </a:srgbClr>
+            </a:outerShdw>
+          </a:effectLst>
+        </a:effectStyle>
+      </a:effectStyleLst>
+      <a:bgFillStyleLst>
+        <a:solidFill>
+          <a:schemeClr val="phClr"/>
+        </a:solidFill>
+        <a:solidFill>
+          <a:schemeClr val="phClr">
+            <a:tint val="95000"/>
+            <a:satMod val="170000"/>
+          </a:schemeClr>
+        </a:solidFill>
+        <a:gradFill rotWithShape="1">
+          <a:gsLst>
+            <a:gs pos="0">
+              <a:schemeClr val="phClr">
+                <a:tint val="93000"/>
+                <a:satMod val="150000"/>
+                <a:shade val="98000"/>
+                <a:lumMod val="102000"/>
+              </a:schemeClr>
+            </a:gs>
+            <a:gs pos="50000">
+              <a:schemeClr val="phClr">
+                <a:tint val="98000"/>
+                <a:satMod val="130000"/>
+                <a:shade val="90000"/>
+                <a:lumMod val="103000"/>
+              </a:schemeClr>
+            </a:gs>
+            <a:gs pos="100000">
+              <a:schemeClr val="phClr">
+                <a:shade val="63000"/>
+                <a:satMod val="120000"/>
+              </a:schemeClr>
+            </a:gs>
+          </a:gsLst>
+          <a:lin ang="5400000" scaled="0"/>
+        </a:gradFill>
+      </a:bgFillStyleLst>
+    </a:fmtScheme>
+  </a:themeElements>
+  <a:objectDefaults/>
+  <a:extraClrSchemeLst/>
+  <a:extLst>
+    <a:ext uri="{05A4C25C-085E-4340-85A3-A5531E510DB2}">
+      <thm15:themeFamily xmlns:thm15="http://schemas.microsoft.com/office/thememl/2012/main" name="Office Theme" id="{62F939B6-93AF-4DB8-9C6B-D6C7DFDC589F}" vid="{4A3C46E8-61CC-4603-A589-7422A47A8E4A}"/>
+    </a:ext>
+  </a:extLst>
+</a:theme>
 </file>